--- a/3rd year/Wireless Communication/Derivations Cluster Size and Frequency Reuse Factor.pptx
+++ b/3rd year/Wireless Communication/Derivations Cluster Size and Frequency Reuse Factor.pptx
@@ -1,14 +1,15 @@
 
 <file path=ppt/presentation.xml><?xml version="1.0" encoding="utf-8"?>
-<p:presentation xmlns:a="http://schemas.openxmlformats.org/drawingml/2006/main" xmlns:r="http://schemas.openxmlformats.org/officeDocument/2006/relationships" xmlns:p="http://schemas.openxmlformats.org/presentationml/2006/main" saveSubsetFonts="1">
+<p:presentation xmlns:a="http://schemas.openxmlformats.org/drawingml/2006/main" xmlns:r="http://schemas.openxmlformats.org/officeDocument/2006/relationships" xmlns:p="http://schemas.openxmlformats.org/presentationml/2006/main">
   <p:sldMasterIdLst>
     <p:sldMasterId id="2147483648" r:id="rId1"/>
   </p:sldMasterIdLst>
   <p:sldIdLst>
-    <p:sldId id="258" r:id="rId2"/>
-    <p:sldId id="256" r:id="rId3"/>
-    <p:sldId id="260" r:id="rId4"/>
-    <p:sldId id="257" r:id="rId5"/>
+    <p:sldId id="258" r:id="rId3"/>
+    <p:sldId id="256" r:id="rId4"/>
+    <p:sldId id="260" r:id="rId5"/>
+    <p:sldId id="262" r:id="rId6"/>
+    <p:sldId id="257" r:id="rId7"/>
   </p:sldIdLst>
   <p:sldSz cx="12192000" cy="6858000"/>
   <p:notesSz cx="6858000" cy="9144000"/>
@@ -129,13 +130,7 @@
       </p:grpSpPr>
       <p:sp>
         <p:nvSpPr>
-          <p:cNvPr id="2" name="Title 1">
-            <a:extLst>
-              <a:ext uri="{FF2B5EF4-FFF2-40B4-BE49-F238E27FC236}">
-                <a16:creationId xmlns:a16="http://schemas.microsoft.com/office/drawing/2014/main" id="{223CC166-AF37-68D5-CEC9-B505D4DB9FB4}"/>
-              </a:ext>
-            </a:extLst>
-          </p:cNvPr>
+          <p:cNvPr id="2" name="Title 1"/>
           <p:cNvSpPr>
             <a:spLocks noGrp="1"/>
           </p:cNvSpPr>
@@ -167,13 +162,7 @@
       </p:sp>
       <p:sp>
         <p:nvSpPr>
-          <p:cNvPr id="3" name="Subtitle 2">
-            <a:extLst>
-              <a:ext uri="{FF2B5EF4-FFF2-40B4-BE49-F238E27FC236}">
-                <a16:creationId xmlns:a16="http://schemas.microsoft.com/office/drawing/2014/main" id="{C3A4CCAB-5C49-8ECB-DA25-DA0A380A4B87}"/>
-              </a:ext>
-            </a:extLst>
-          </p:cNvPr>
+          <p:cNvPr id="3" name="Subtitle 2"/>
           <p:cNvSpPr>
             <a:spLocks noGrp="1"/>
           </p:cNvSpPr>
@@ -238,13 +227,7 @@
       </p:sp>
       <p:sp>
         <p:nvSpPr>
-          <p:cNvPr id="4" name="Date Placeholder 3">
-            <a:extLst>
-              <a:ext uri="{FF2B5EF4-FFF2-40B4-BE49-F238E27FC236}">
-                <a16:creationId xmlns:a16="http://schemas.microsoft.com/office/drawing/2014/main" id="{7FCB052E-BDCB-80EB-73C0-0967B7FD36B6}"/>
-              </a:ext>
-            </a:extLst>
-          </p:cNvPr>
+          <p:cNvPr id="4" name="Date Placeholder 3"/>
           <p:cNvSpPr>
             <a:spLocks noGrp="1"/>
           </p:cNvSpPr>
@@ -259,7 +242,6 @@
           <a:p>
             <a:fld id="{2982D2D6-AF4C-42FC-93C8-C52618CB2301}" type="datetimeFigureOut">
               <a:rPr lang="en-IN" smtClean="0"/>
-              <a:t>22-03-2024</a:t>
             </a:fld>
             <a:endParaRPr lang="en-IN"/>
           </a:p>
@@ -267,13 +249,7 @@
       </p:sp>
       <p:sp>
         <p:nvSpPr>
-          <p:cNvPr id="5" name="Footer Placeholder 4">
-            <a:extLst>
-              <a:ext uri="{FF2B5EF4-FFF2-40B4-BE49-F238E27FC236}">
-                <a16:creationId xmlns:a16="http://schemas.microsoft.com/office/drawing/2014/main" id="{74D4D901-078D-7EA4-ED8F-8B6B19B053A8}"/>
-              </a:ext>
-            </a:extLst>
-          </p:cNvPr>
+          <p:cNvPr id="5" name="Footer Placeholder 4"/>
           <p:cNvSpPr>
             <a:spLocks noGrp="1"/>
           </p:cNvSpPr>
@@ -292,13 +268,7 @@
       </p:sp>
       <p:sp>
         <p:nvSpPr>
-          <p:cNvPr id="6" name="Slide Number Placeholder 5">
-            <a:extLst>
-              <a:ext uri="{FF2B5EF4-FFF2-40B4-BE49-F238E27FC236}">
-                <a16:creationId xmlns:a16="http://schemas.microsoft.com/office/drawing/2014/main" id="{C6BA6D93-E6DE-D7B3-573E-1C3F8451FE79}"/>
-              </a:ext>
-            </a:extLst>
-          </p:cNvPr>
+          <p:cNvPr id="6" name="Slide Number Placeholder 5"/>
           <p:cNvSpPr>
             <a:spLocks noGrp="1"/>
           </p:cNvSpPr>
@@ -313,18 +283,12 @@
           <a:p>
             <a:fld id="{1078637C-87AE-4BE0-8B9E-BA6F79E44CE2}" type="slidenum">
               <a:rPr lang="en-IN" smtClean="0"/>
-              <a:t>‹#›</a:t>
             </a:fld>
             <a:endParaRPr lang="en-IN"/>
           </a:p>
         </p:txBody>
       </p:sp>
     </p:spTree>
-    <p:extLst>
-      <p:ext uri="{BB962C8B-B14F-4D97-AF65-F5344CB8AC3E}">
-        <p14:creationId xmlns:p14="http://schemas.microsoft.com/office/powerpoint/2010/main" val="531247611"/>
-      </p:ext>
-    </p:extLst>
   </p:cSld>
   <p:clrMapOvr>
     <a:masterClrMapping/>
@@ -351,13 +315,7 @@
       </p:grpSpPr>
       <p:sp>
         <p:nvSpPr>
-          <p:cNvPr id="2" name="Title 1">
-            <a:extLst>
-              <a:ext uri="{FF2B5EF4-FFF2-40B4-BE49-F238E27FC236}">
-                <a16:creationId xmlns:a16="http://schemas.microsoft.com/office/drawing/2014/main" id="{73473A31-9DB5-D9A4-0E37-B79E9ACA02FD}"/>
-              </a:ext>
-            </a:extLst>
-          </p:cNvPr>
+          <p:cNvPr id="2" name="Title 1"/>
           <p:cNvSpPr>
             <a:spLocks noGrp="1"/>
           </p:cNvSpPr>
@@ -380,13 +338,7 @@
       </p:sp>
       <p:sp>
         <p:nvSpPr>
-          <p:cNvPr id="3" name="Vertical Text Placeholder 2">
-            <a:extLst>
-              <a:ext uri="{FF2B5EF4-FFF2-40B4-BE49-F238E27FC236}">
-                <a16:creationId xmlns:a16="http://schemas.microsoft.com/office/drawing/2014/main" id="{A45B0626-99A4-A7C9-A7EF-E62D3E66BEA3}"/>
-              </a:ext>
-            </a:extLst>
-          </p:cNvPr>
+          <p:cNvPr id="3" name="Vertical Text Placeholder 2"/>
           <p:cNvSpPr>
             <a:spLocks noGrp="1"/>
           </p:cNvSpPr>
@@ -404,6 +356,7 @@
               <a:rPr lang="en-US"/>
               <a:t>Click to edit Master text styles</a:t>
             </a:r>
+            <a:endParaRPr lang="en-US"/>
           </a:p>
           <a:p>
             <a:pPr lvl="1"/>
@@ -411,6 +364,7 @@
               <a:rPr lang="en-US"/>
               <a:t>Second level</a:t>
             </a:r>
+            <a:endParaRPr lang="en-US"/>
           </a:p>
           <a:p>
             <a:pPr lvl="2"/>
@@ -418,6 +372,7 @@
               <a:rPr lang="en-US"/>
               <a:t>Third level</a:t>
             </a:r>
+            <a:endParaRPr lang="en-US"/>
           </a:p>
           <a:p>
             <a:pPr lvl="3"/>
@@ -425,6 +380,7 @@
               <a:rPr lang="en-US"/>
               <a:t>Fourth level</a:t>
             </a:r>
+            <a:endParaRPr lang="en-US"/>
           </a:p>
           <a:p>
             <a:pPr lvl="4"/>
@@ -438,13 +394,7 @@
       </p:sp>
       <p:sp>
         <p:nvSpPr>
-          <p:cNvPr id="4" name="Date Placeholder 3">
-            <a:extLst>
-              <a:ext uri="{FF2B5EF4-FFF2-40B4-BE49-F238E27FC236}">
-                <a16:creationId xmlns:a16="http://schemas.microsoft.com/office/drawing/2014/main" id="{90D0DA80-1CF7-D3C8-CC4F-B67BC9EBF0F1}"/>
-              </a:ext>
-            </a:extLst>
-          </p:cNvPr>
+          <p:cNvPr id="4" name="Date Placeholder 3"/>
           <p:cNvSpPr>
             <a:spLocks noGrp="1"/>
           </p:cNvSpPr>
@@ -459,7 +409,6 @@
           <a:p>
             <a:fld id="{2982D2D6-AF4C-42FC-93C8-C52618CB2301}" type="datetimeFigureOut">
               <a:rPr lang="en-IN" smtClean="0"/>
-              <a:t>22-03-2024</a:t>
             </a:fld>
             <a:endParaRPr lang="en-IN"/>
           </a:p>
@@ -467,13 +416,7 @@
       </p:sp>
       <p:sp>
         <p:nvSpPr>
-          <p:cNvPr id="5" name="Footer Placeholder 4">
-            <a:extLst>
-              <a:ext uri="{FF2B5EF4-FFF2-40B4-BE49-F238E27FC236}">
-                <a16:creationId xmlns:a16="http://schemas.microsoft.com/office/drawing/2014/main" id="{0FB1BC97-91F5-090F-C122-93851A8A5D0F}"/>
-              </a:ext>
-            </a:extLst>
-          </p:cNvPr>
+          <p:cNvPr id="5" name="Footer Placeholder 4"/>
           <p:cNvSpPr>
             <a:spLocks noGrp="1"/>
           </p:cNvSpPr>
@@ -492,13 +435,7 @@
       </p:sp>
       <p:sp>
         <p:nvSpPr>
-          <p:cNvPr id="6" name="Slide Number Placeholder 5">
-            <a:extLst>
-              <a:ext uri="{FF2B5EF4-FFF2-40B4-BE49-F238E27FC236}">
-                <a16:creationId xmlns:a16="http://schemas.microsoft.com/office/drawing/2014/main" id="{CDB12240-931B-3154-58CE-DDB34A8CD26C}"/>
-              </a:ext>
-            </a:extLst>
-          </p:cNvPr>
+          <p:cNvPr id="6" name="Slide Number Placeholder 5"/>
           <p:cNvSpPr>
             <a:spLocks noGrp="1"/>
           </p:cNvSpPr>
@@ -513,18 +450,12 @@
           <a:p>
             <a:fld id="{1078637C-87AE-4BE0-8B9E-BA6F79E44CE2}" type="slidenum">
               <a:rPr lang="en-IN" smtClean="0"/>
-              <a:t>‹#›</a:t>
             </a:fld>
             <a:endParaRPr lang="en-IN"/>
           </a:p>
         </p:txBody>
       </p:sp>
     </p:spTree>
-    <p:extLst>
-      <p:ext uri="{BB962C8B-B14F-4D97-AF65-F5344CB8AC3E}">
-        <p14:creationId xmlns:p14="http://schemas.microsoft.com/office/powerpoint/2010/main" val="395193204"/>
-      </p:ext>
-    </p:extLst>
   </p:cSld>
   <p:clrMapOvr>
     <a:masterClrMapping/>
@@ -551,13 +482,7 @@
       </p:grpSpPr>
       <p:sp>
         <p:nvSpPr>
-          <p:cNvPr id="2" name="Vertical Title 1">
-            <a:extLst>
-              <a:ext uri="{FF2B5EF4-FFF2-40B4-BE49-F238E27FC236}">
-                <a16:creationId xmlns:a16="http://schemas.microsoft.com/office/drawing/2014/main" id="{46AEAD00-020E-AC75-ED1D-809F60E44609}"/>
-              </a:ext>
-            </a:extLst>
-          </p:cNvPr>
+          <p:cNvPr id="2" name="Vertical Title 1"/>
           <p:cNvSpPr>
             <a:spLocks noGrp="1"/>
           </p:cNvSpPr>
@@ -585,13 +510,7 @@
       </p:sp>
       <p:sp>
         <p:nvSpPr>
-          <p:cNvPr id="3" name="Vertical Text Placeholder 2">
-            <a:extLst>
-              <a:ext uri="{FF2B5EF4-FFF2-40B4-BE49-F238E27FC236}">
-                <a16:creationId xmlns:a16="http://schemas.microsoft.com/office/drawing/2014/main" id="{90EC9669-2C36-47FF-3F12-816F0B2C068C}"/>
-              </a:ext>
-            </a:extLst>
-          </p:cNvPr>
+          <p:cNvPr id="3" name="Vertical Text Placeholder 2"/>
           <p:cNvSpPr>
             <a:spLocks noGrp="1"/>
           </p:cNvSpPr>
@@ -614,6 +533,7 @@
               <a:rPr lang="en-US"/>
               <a:t>Click to edit Master text styles</a:t>
             </a:r>
+            <a:endParaRPr lang="en-US"/>
           </a:p>
           <a:p>
             <a:pPr lvl="1"/>
@@ -621,6 +541,7 @@
               <a:rPr lang="en-US"/>
               <a:t>Second level</a:t>
             </a:r>
+            <a:endParaRPr lang="en-US"/>
           </a:p>
           <a:p>
             <a:pPr lvl="2"/>
@@ -628,6 +549,7 @@
               <a:rPr lang="en-US"/>
               <a:t>Third level</a:t>
             </a:r>
+            <a:endParaRPr lang="en-US"/>
           </a:p>
           <a:p>
             <a:pPr lvl="3"/>
@@ -635,6 +557,7 @@
               <a:rPr lang="en-US"/>
               <a:t>Fourth level</a:t>
             </a:r>
+            <a:endParaRPr lang="en-US"/>
           </a:p>
           <a:p>
             <a:pPr lvl="4"/>
@@ -648,13 +571,7 @@
       </p:sp>
       <p:sp>
         <p:nvSpPr>
-          <p:cNvPr id="4" name="Date Placeholder 3">
-            <a:extLst>
-              <a:ext uri="{FF2B5EF4-FFF2-40B4-BE49-F238E27FC236}">
-                <a16:creationId xmlns:a16="http://schemas.microsoft.com/office/drawing/2014/main" id="{B12A42BD-92BA-AC1D-BF7F-E9FFA05F1A25}"/>
-              </a:ext>
-            </a:extLst>
-          </p:cNvPr>
+          <p:cNvPr id="4" name="Date Placeholder 3"/>
           <p:cNvSpPr>
             <a:spLocks noGrp="1"/>
           </p:cNvSpPr>
@@ -669,7 +586,6 @@
           <a:p>
             <a:fld id="{2982D2D6-AF4C-42FC-93C8-C52618CB2301}" type="datetimeFigureOut">
               <a:rPr lang="en-IN" smtClean="0"/>
-              <a:t>22-03-2024</a:t>
             </a:fld>
             <a:endParaRPr lang="en-IN"/>
           </a:p>
@@ -677,13 +593,7 @@
       </p:sp>
       <p:sp>
         <p:nvSpPr>
-          <p:cNvPr id="5" name="Footer Placeholder 4">
-            <a:extLst>
-              <a:ext uri="{FF2B5EF4-FFF2-40B4-BE49-F238E27FC236}">
-                <a16:creationId xmlns:a16="http://schemas.microsoft.com/office/drawing/2014/main" id="{95FD93C2-234D-38C0-7AAE-E47D9FB81967}"/>
-              </a:ext>
-            </a:extLst>
-          </p:cNvPr>
+          <p:cNvPr id="5" name="Footer Placeholder 4"/>
           <p:cNvSpPr>
             <a:spLocks noGrp="1"/>
           </p:cNvSpPr>
@@ -702,13 +612,7 @@
       </p:sp>
       <p:sp>
         <p:nvSpPr>
-          <p:cNvPr id="6" name="Slide Number Placeholder 5">
-            <a:extLst>
-              <a:ext uri="{FF2B5EF4-FFF2-40B4-BE49-F238E27FC236}">
-                <a16:creationId xmlns:a16="http://schemas.microsoft.com/office/drawing/2014/main" id="{6BD7C863-F898-3EF1-01B4-2F93D23C8200}"/>
-              </a:ext>
-            </a:extLst>
-          </p:cNvPr>
+          <p:cNvPr id="6" name="Slide Number Placeholder 5"/>
           <p:cNvSpPr>
             <a:spLocks noGrp="1"/>
           </p:cNvSpPr>
@@ -723,18 +627,12 @@
           <a:p>
             <a:fld id="{1078637C-87AE-4BE0-8B9E-BA6F79E44CE2}" type="slidenum">
               <a:rPr lang="en-IN" smtClean="0"/>
-              <a:t>‹#›</a:t>
             </a:fld>
             <a:endParaRPr lang="en-IN"/>
           </a:p>
         </p:txBody>
       </p:sp>
     </p:spTree>
-    <p:extLst>
-      <p:ext uri="{BB962C8B-B14F-4D97-AF65-F5344CB8AC3E}">
-        <p14:creationId xmlns:p14="http://schemas.microsoft.com/office/powerpoint/2010/main" val="987785674"/>
-      </p:ext>
-    </p:extLst>
   </p:cSld>
   <p:clrMapOvr>
     <a:masterClrMapping/>
@@ -761,13 +659,7 @@
       </p:grpSpPr>
       <p:sp>
         <p:nvSpPr>
-          <p:cNvPr id="2" name="Title 1">
-            <a:extLst>
-              <a:ext uri="{FF2B5EF4-FFF2-40B4-BE49-F238E27FC236}">
-                <a16:creationId xmlns:a16="http://schemas.microsoft.com/office/drawing/2014/main" id="{EE80E948-A33B-D2C3-0F95-C9BF3F4F4765}"/>
-              </a:ext>
-            </a:extLst>
-          </p:cNvPr>
+          <p:cNvPr id="2" name="Title 1"/>
           <p:cNvSpPr>
             <a:spLocks noGrp="1"/>
           </p:cNvSpPr>
@@ -790,13 +682,7 @@
       </p:sp>
       <p:sp>
         <p:nvSpPr>
-          <p:cNvPr id="3" name="Content Placeholder 2">
-            <a:extLst>
-              <a:ext uri="{FF2B5EF4-FFF2-40B4-BE49-F238E27FC236}">
-                <a16:creationId xmlns:a16="http://schemas.microsoft.com/office/drawing/2014/main" id="{6F3A6FA6-10B3-EEEE-F179-01A788605B61}"/>
-              </a:ext>
-            </a:extLst>
-          </p:cNvPr>
+          <p:cNvPr id="3" name="Content Placeholder 2"/>
           <p:cNvSpPr>
             <a:spLocks noGrp="1"/>
           </p:cNvSpPr>
@@ -814,6 +700,7 @@
               <a:rPr lang="en-US"/>
               <a:t>Click to edit Master text styles</a:t>
             </a:r>
+            <a:endParaRPr lang="en-US"/>
           </a:p>
           <a:p>
             <a:pPr lvl="1"/>
@@ -821,6 +708,7 @@
               <a:rPr lang="en-US"/>
               <a:t>Second level</a:t>
             </a:r>
+            <a:endParaRPr lang="en-US"/>
           </a:p>
           <a:p>
             <a:pPr lvl="2"/>
@@ -828,6 +716,7 @@
               <a:rPr lang="en-US"/>
               <a:t>Third level</a:t>
             </a:r>
+            <a:endParaRPr lang="en-US"/>
           </a:p>
           <a:p>
             <a:pPr lvl="3"/>
@@ -835,6 +724,7 @@
               <a:rPr lang="en-US"/>
               <a:t>Fourth level</a:t>
             </a:r>
+            <a:endParaRPr lang="en-US"/>
           </a:p>
           <a:p>
             <a:pPr lvl="4"/>
@@ -848,13 +738,7 @@
       </p:sp>
       <p:sp>
         <p:nvSpPr>
-          <p:cNvPr id="4" name="Date Placeholder 3">
-            <a:extLst>
-              <a:ext uri="{FF2B5EF4-FFF2-40B4-BE49-F238E27FC236}">
-                <a16:creationId xmlns:a16="http://schemas.microsoft.com/office/drawing/2014/main" id="{C0F5A4EA-9F2D-76ED-51F5-9C4853C4FB0A}"/>
-              </a:ext>
-            </a:extLst>
-          </p:cNvPr>
+          <p:cNvPr id="4" name="Date Placeholder 3"/>
           <p:cNvSpPr>
             <a:spLocks noGrp="1"/>
           </p:cNvSpPr>
@@ -869,7 +753,6 @@
           <a:p>
             <a:fld id="{2982D2D6-AF4C-42FC-93C8-C52618CB2301}" type="datetimeFigureOut">
               <a:rPr lang="en-IN" smtClean="0"/>
-              <a:t>22-03-2024</a:t>
             </a:fld>
             <a:endParaRPr lang="en-IN"/>
           </a:p>
@@ -877,13 +760,7 @@
       </p:sp>
       <p:sp>
         <p:nvSpPr>
-          <p:cNvPr id="5" name="Footer Placeholder 4">
-            <a:extLst>
-              <a:ext uri="{FF2B5EF4-FFF2-40B4-BE49-F238E27FC236}">
-                <a16:creationId xmlns:a16="http://schemas.microsoft.com/office/drawing/2014/main" id="{AA221246-019A-65D7-3321-6AA5F9C94DF1}"/>
-              </a:ext>
-            </a:extLst>
-          </p:cNvPr>
+          <p:cNvPr id="5" name="Footer Placeholder 4"/>
           <p:cNvSpPr>
             <a:spLocks noGrp="1"/>
           </p:cNvSpPr>
@@ -902,13 +779,7 @@
       </p:sp>
       <p:sp>
         <p:nvSpPr>
-          <p:cNvPr id="6" name="Slide Number Placeholder 5">
-            <a:extLst>
-              <a:ext uri="{FF2B5EF4-FFF2-40B4-BE49-F238E27FC236}">
-                <a16:creationId xmlns:a16="http://schemas.microsoft.com/office/drawing/2014/main" id="{CACAD4C3-9A85-E99E-BBEC-18D27389279C}"/>
-              </a:ext>
-            </a:extLst>
-          </p:cNvPr>
+          <p:cNvPr id="6" name="Slide Number Placeholder 5"/>
           <p:cNvSpPr>
             <a:spLocks noGrp="1"/>
           </p:cNvSpPr>
@@ -923,18 +794,12 @@
           <a:p>
             <a:fld id="{1078637C-87AE-4BE0-8B9E-BA6F79E44CE2}" type="slidenum">
               <a:rPr lang="en-IN" smtClean="0"/>
-              <a:t>‹#›</a:t>
             </a:fld>
             <a:endParaRPr lang="en-IN"/>
           </a:p>
         </p:txBody>
       </p:sp>
     </p:spTree>
-    <p:extLst>
-      <p:ext uri="{BB962C8B-B14F-4D97-AF65-F5344CB8AC3E}">
-        <p14:creationId xmlns:p14="http://schemas.microsoft.com/office/powerpoint/2010/main" val="2388497225"/>
-      </p:ext>
-    </p:extLst>
   </p:cSld>
   <p:clrMapOvr>
     <a:masterClrMapping/>
@@ -961,13 +826,7 @@
       </p:grpSpPr>
       <p:sp>
         <p:nvSpPr>
-          <p:cNvPr id="2" name="Title 1">
-            <a:extLst>
-              <a:ext uri="{FF2B5EF4-FFF2-40B4-BE49-F238E27FC236}">
-                <a16:creationId xmlns:a16="http://schemas.microsoft.com/office/drawing/2014/main" id="{F1DD8BAD-F64C-1946-BC8C-628273FA7BFD}"/>
-              </a:ext>
-            </a:extLst>
-          </p:cNvPr>
+          <p:cNvPr id="2" name="Title 1"/>
           <p:cNvSpPr>
             <a:spLocks noGrp="1"/>
           </p:cNvSpPr>
@@ -999,13 +858,7 @@
       </p:sp>
       <p:sp>
         <p:nvSpPr>
-          <p:cNvPr id="3" name="Text Placeholder 2">
-            <a:extLst>
-              <a:ext uri="{FF2B5EF4-FFF2-40B4-BE49-F238E27FC236}">
-                <a16:creationId xmlns:a16="http://schemas.microsoft.com/office/drawing/2014/main" id="{0A8FD79E-9F10-494F-6148-9AD9A2BBAA1A}"/>
-              </a:ext>
-            </a:extLst>
-          </p:cNvPr>
+          <p:cNvPr id="3" name="Text Placeholder 2"/>
           <p:cNvSpPr>
             <a:spLocks noGrp="1"/>
           </p:cNvSpPr>
@@ -1119,18 +972,13 @@
               <a:rPr lang="en-US"/>
               <a:t>Click to edit Master text styles</a:t>
             </a:r>
-          </a:p>
-        </p:txBody>
-      </p:sp>
-      <p:sp>
-        <p:nvSpPr>
-          <p:cNvPr id="4" name="Date Placeholder 3">
-            <a:extLst>
-              <a:ext uri="{FF2B5EF4-FFF2-40B4-BE49-F238E27FC236}">
-                <a16:creationId xmlns:a16="http://schemas.microsoft.com/office/drawing/2014/main" id="{EE4F97D2-0E6B-C62A-5570-FE50E81124BC}"/>
-              </a:ext>
-            </a:extLst>
-          </p:cNvPr>
+            <a:endParaRPr lang="en-US"/>
+          </a:p>
+        </p:txBody>
+      </p:sp>
+      <p:sp>
+        <p:nvSpPr>
+          <p:cNvPr id="4" name="Date Placeholder 3"/>
           <p:cNvSpPr>
             <a:spLocks noGrp="1"/>
           </p:cNvSpPr>
@@ -1145,7 +993,6 @@
           <a:p>
             <a:fld id="{2982D2D6-AF4C-42FC-93C8-C52618CB2301}" type="datetimeFigureOut">
               <a:rPr lang="en-IN" smtClean="0"/>
-              <a:t>22-03-2024</a:t>
             </a:fld>
             <a:endParaRPr lang="en-IN"/>
           </a:p>
@@ -1153,13 +1000,7 @@
       </p:sp>
       <p:sp>
         <p:nvSpPr>
-          <p:cNvPr id="5" name="Footer Placeholder 4">
-            <a:extLst>
-              <a:ext uri="{FF2B5EF4-FFF2-40B4-BE49-F238E27FC236}">
-                <a16:creationId xmlns:a16="http://schemas.microsoft.com/office/drawing/2014/main" id="{CB2EB094-091A-500E-0226-A5DD6619BEE6}"/>
-              </a:ext>
-            </a:extLst>
-          </p:cNvPr>
+          <p:cNvPr id="5" name="Footer Placeholder 4"/>
           <p:cNvSpPr>
             <a:spLocks noGrp="1"/>
           </p:cNvSpPr>
@@ -1178,13 +1019,7 @@
       </p:sp>
       <p:sp>
         <p:nvSpPr>
-          <p:cNvPr id="6" name="Slide Number Placeholder 5">
-            <a:extLst>
-              <a:ext uri="{FF2B5EF4-FFF2-40B4-BE49-F238E27FC236}">
-                <a16:creationId xmlns:a16="http://schemas.microsoft.com/office/drawing/2014/main" id="{6859C8F0-6C03-62EC-77C0-F37CF04909E1}"/>
-              </a:ext>
-            </a:extLst>
-          </p:cNvPr>
+          <p:cNvPr id="6" name="Slide Number Placeholder 5"/>
           <p:cNvSpPr>
             <a:spLocks noGrp="1"/>
           </p:cNvSpPr>
@@ -1199,18 +1034,12 @@
           <a:p>
             <a:fld id="{1078637C-87AE-4BE0-8B9E-BA6F79E44CE2}" type="slidenum">
               <a:rPr lang="en-IN" smtClean="0"/>
-              <a:t>‹#›</a:t>
             </a:fld>
             <a:endParaRPr lang="en-IN"/>
           </a:p>
         </p:txBody>
       </p:sp>
     </p:spTree>
-    <p:extLst>
-      <p:ext uri="{BB962C8B-B14F-4D97-AF65-F5344CB8AC3E}">
-        <p14:creationId xmlns:p14="http://schemas.microsoft.com/office/powerpoint/2010/main" val="4005397336"/>
-      </p:ext>
-    </p:extLst>
   </p:cSld>
   <p:clrMapOvr>
     <a:masterClrMapping/>
@@ -1237,13 +1066,7 @@
       </p:grpSpPr>
       <p:sp>
         <p:nvSpPr>
-          <p:cNvPr id="2" name="Title 1">
-            <a:extLst>
-              <a:ext uri="{FF2B5EF4-FFF2-40B4-BE49-F238E27FC236}">
-                <a16:creationId xmlns:a16="http://schemas.microsoft.com/office/drawing/2014/main" id="{ABC4F85B-CFAE-CE26-5025-898B1B2C66A1}"/>
-              </a:ext>
-            </a:extLst>
-          </p:cNvPr>
+          <p:cNvPr id="2" name="Title 1"/>
           <p:cNvSpPr>
             <a:spLocks noGrp="1"/>
           </p:cNvSpPr>
@@ -1266,13 +1089,7 @@
       </p:sp>
       <p:sp>
         <p:nvSpPr>
-          <p:cNvPr id="3" name="Content Placeholder 2">
-            <a:extLst>
-              <a:ext uri="{FF2B5EF4-FFF2-40B4-BE49-F238E27FC236}">
-                <a16:creationId xmlns:a16="http://schemas.microsoft.com/office/drawing/2014/main" id="{ED17BBD2-D922-9C2A-2B43-31B6FEDC8200}"/>
-              </a:ext>
-            </a:extLst>
-          </p:cNvPr>
+          <p:cNvPr id="3" name="Content Placeholder 2"/>
           <p:cNvSpPr>
             <a:spLocks noGrp="1"/>
           </p:cNvSpPr>
@@ -1295,6 +1112,7 @@
               <a:rPr lang="en-US"/>
               <a:t>Click to edit Master text styles</a:t>
             </a:r>
+            <a:endParaRPr lang="en-US"/>
           </a:p>
           <a:p>
             <a:pPr lvl="1"/>
@@ -1302,6 +1120,7 @@
               <a:rPr lang="en-US"/>
               <a:t>Second level</a:t>
             </a:r>
+            <a:endParaRPr lang="en-US"/>
           </a:p>
           <a:p>
             <a:pPr lvl="2"/>
@@ -1309,6 +1128,7 @@
               <a:rPr lang="en-US"/>
               <a:t>Third level</a:t>
             </a:r>
+            <a:endParaRPr lang="en-US"/>
           </a:p>
           <a:p>
             <a:pPr lvl="3"/>
@@ -1316,6 +1136,7 @@
               <a:rPr lang="en-US"/>
               <a:t>Fourth level</a:t>
             </a:r>
+            <a:endParaRPr lang="en-US"/>
           </a:p>
           <a:p>
             <a:pPr lvl="4"/>
@@ -1329,13 +1150,7 @@
       </p:sp>
       <p:sp>
         <p:nvSpPr>
-          <p:cNvPr id="4" name="Content Placeholder 3">
-            <a:extLst>
-              <a:ext uri="{FF2B5EF4-FFF2-40B4-BE49-F238E27FC236}">
-                <a16:creationId xmlns:a16="http://schemas.microsoft.com/office/drawing/2014/main" id="{C5991CB5-7A4B-3AEF-E0C1-E0DF363B5649}"/>
-              </a:ext>
-            </a:extLst>
-          </p:cNvPr>
+          <p:cNvPr id="4" name="Content Placeholder 3"/>
           <p:cNvSpPr>
             <a:spLocks noGrp="1"/>
           </p:cNvSpPr>
@@ -1358,6 +1173,7 @@
               <a:rPr lang="en-US"/>
               <a:t>Click to edit Master text styles</a:t>
             </a:r>
+            <a:endParaRPr lang="en-US"/>
           </a:p>
           <a:p>
             <a:pPr lvl="1"/>
@@ -1365,6 +1181,7 @@
               <a:rPr lang="en-US"/>
               <a:t>Second level</a:t>
             </a:r>
+            <a:endParaRPr lang="en-US"/>
           </a:p>
           <a:p>
             <a:pPr lvl="2"/>
@@ -1372,6 +1189,7 @@
               <a:rPr lang="en-US"/>
               <a:t>Third level</a:t>
             </a:r>
+            <a:endParaRPr lang="en-US"/>
           </a:p>
           <a:p>
             <a:pPr lvl="3"/>
@@ -1379,6 +1197,7 @@
               <a:rPr lang="en-US"/>
               <a:t>Fourth level</a:t>
             </a:r>
+            <a:endParaRPr lang="en-US"/>
           </a:p>
           <a:p>
             <a:pPr lvl="4"/>
@@ -1392,13 +1211,7 @@
       </p:sp>
       <p:sp>
         <p:nvSpPr>
-          <p:cNvPr id="5" name="Date Placeholder 4">
-            <a:extLst>
-              <a:ext uri="{FF2B5EF4-FFF2-40B4-BE49-F238E27FC236}">
-                <a16:creationId xmlns:a16="http://schemas.microsoft.com/office/drawing/2014/main" id="{7B5DA92C-414A-7900-C3B7-BC1279BBF714}"/>
-              </a:ext>
-            </a:extLst>
-          </p:cNvPr>
+          <p:cNvPr id="5" name="Date Placeholder 4"/>
           <p:cNvSpPr>
             <a:spLocks noGrp="1"/>
           </p:cNvSpPr>
@@ -1413,7 +1226,6 @@
           <a:p>
             <a:fld id="{2982D2D6-AF4C-42FC-93C8-C52618CB2301}" type="datetimeFigureOut">
               <a:rPr lang="en-IN" smtClean="0"/>
-              <a:t>22-03-2024</a:t>
             </a:fld>
             <a:endParaRPr lang="en-IN"/>
           </a:p>
@@ -1421,13 +1233,7 @@
       </p:sp>
       <p:sp>
         <p:nvSpPr>
-          <p:cNvPr id="6" name="Footer Placeholder 5">
-            <a:extLst>
-              <a:ext uri="{FF2B5EF4-FFF2-40B4-BE49-F238E27FC236}">
-                <a16:creationId xmlns:a16="http://schemas.microsoft.com/office/drawing/2014/main" id="{13FBD5D9-2029-DF58-6296-2423684EF92D}"/>
-              </a:ext>
-            </a:extLst>
-          </p:cNvPr>
+          <p:cNvPr id="6" name="Footer Placeholder 5"/>
           <p:cNvSpPr>
             <a:spLocks noGrp="1"/>
           </p:cNvSpPr>
@@ -1446,13 +1252,7 @@
       </p:sp>
       <p:sp>
         <p:nvSpPr>
-          <p:cNvPr id="7" name="Slide Number Placeholder 6">
-            <a:extLst>
-              <a:ext uri="{FF2B5EF4-FFF2-40B4-BE49-F238E27FC236}">
-                <a16:creationId xmlns:a16="http://schemas.microsoft.com/office/drawing/2014/main" id="{C74C56EB-6B92-C6C2-DE72-E4C05D3BB958}"/>
-              </a:ext>
-            </a:extLst>
-          </p:cNvPr>
+          <p:cNvPr id="7" name="Slide Number Placeholder 6"/>
           <p:cNvSpPr>
             <a:spLocks noGrp="1"/>
           </p:cNvSpPr>
@@ -1467,18 +1267,12 @@
           <a:p>
             <a:fld id="{1078637C-87AE-4BE0-8B9E-BA6F79E44CE2}" type="slidenum">
               <a:rPr lang="en-IN" smtClean="0"/>
-              <a:t>‹#›</a:t>
             </a:fld>
             <a:endParaRPr lang="en-IN"/>
           </a:p>
         </p:txBody>
       </p:sp>
     </p:spTree>
-    <p:extLst>
-      <p:ext uri="{BB962C8B-B14F-4D97-AF65-F5344CB8AC3E}">
-        <p14:creationId xmlns:p14="http://schemas.microsoft.com/office/powerpoint/2010/main" val="765190480"/>
-      </p:ext>
-    </p:extLst>
   </p:cSld>
   <p:clrMapOvr>
     <a:masterClrMapping/>
@@ -1505,13 +1299,7 @@
       </p:grpSpPr>
       <p:sp>
         <p:nvSpPr>
-          <p:cNvPr id="2" name="Title 1">
-            <a:extLst>
-              <a:ext uri="{FF2B5EF4-FFF2-40B4-BE49-F238E27FC236}">
-                <a16:creationId xmlns:a16="http://schemas.microsoft.com/office/drawing/2014/main" id="{E703B666-1172-20B8-C17B-30A3CC3CE672}"/>
-              </a:ext>
-            </a:extLst>
-          </p:cNvPr>
+          <p:cNvPr id="2" name="Title 1"/>
           <p:cNvSpPr>
             <a:spLocks noGrp="1"/>
           </p:cNvSpPr>
@@ -1539,13 +1327,7 @@
       </p:sp>
       <p:sp>
         <p:nvSpPr>
-          <p:cNvPr id="3" name="Text Placeholder 2">
-            <a:extLst>
-              <a:ext uri="{FF2B5EF4-FFF2-40B4-BE49-F238E27FC236}">
-                <a16:creationId xmlns:a16="http://schemas.microsoft.com/office/drawing/2014/main" id="{F2FC9A12-FB6B-4B67-144E-8660D7FBFEA8}"/>
-              </a:ext>
-            </a:extLst>
-          </p:cNvPr>
+          <p:cNvPr id="3" name="Text Placeholder 2"/>
           <p:cNvSpPr>
             <a:spLocks noGrp="1"/>
           </p:cNvSpPr>
@@ -1605,18 +1387,13 @@
               <a:rPr lang="en-US"/>
               <a:t>Click to edit Master text styles</a:t>
             </a:r>
-          </a:p>
-        </p:txBody>
-      </p:sp>
-      <p:sp>
-        <p:nvSpPr>
-          <p:cNvPr id="4" name="Content Placeholder 3">
-            <a:extLst>
-              <a:ext uri="{FF2B5EF4-FFF2-40B4-BE49-F238E27FC236}">
-                <a16:creationId xmlns:a16="http://schemas.microsoft.com/office/drawing/2014/main" id="{E7EC68A3-30CD-9292-9D3B-92FB57BC2FE3}"/>
-              </a:ext>
-            </a:extLst>
-          </p:cNvPr>
+            <a:endParaRPr lang="en-US"/>
+          </a:p>
+        </p:txBody>
+      </p:sp>
+      <p:sp>
+        <p:nvSpPr>
+          <p:cNvPr id="4" name="Content Placeholder 3"/>
           <p:cNvSpPr>
             <a:spLocks noGrp="1"/>
           </p:cNvSpPr>
@@ -1639,6 +1416,7 @@
               <a:rPr lang="en-US"/>
               <a:t>Click to edit Master text styles</a:t>
             </a:r>
+            <a:endParaRPr lang="en-US"/>
           </a:p>
           <a:p>
             <a:pPr lvl="1"/>
@@ -1646,6 +1424,7 @@
               <a:rPr lang="en-US"/>
               <a:t>Second level</a:t>
             </a:r>
+            <a:endParaRPr lang="en-US"/>
           </a:p>
           <a:p>
             <a:pPr lvl="2"/>
@@ -1653,6 +1432,7 @@
               <a:rPr lang="en-US"/>
               <a:t>Third level</a:t>
             </a:r>
+            <a:endParaRPr lang="en-US"/>
           </a:p>
           <a:p>
             <a:pPr lvl="3"/>
@@ -1660,6 +1440,7 @@
               <a:rPr lang="en-US"/>
               <a:t>Fourth level</a:t>
             </a:r>
+            <a:endParaRPr lang="en-US"/>
           </a:p>
           <a:p>
             <a:pPr lvl="4"/>
@@ -1673,13 +1454,7 @@
       </p:sp>
       <p:sp>
         <p:nvSpPr>
-          <p:cNvPr id="5" name="Text Placeholder 4">
-            <a:extLst>
-              <a:ext uri="{FF2B5EF4-FFF2-40B4-BE49-F238E27FC236}">
-                <a16:creationId xmlns:a16="http://schemas.microsoft.com/office/drawing/2014/main" id="{7F0FBD0E-3ECB-8056-27A2-2CC67E9CF03B}"/>
-              </a:ext>
-            </a:extLst>
-          </p:cNvPr>
+          <p:cNvPr id="5" name="Text Placeholder 4"/>
           <p:cNvSpPr>
             <a:spLocks noGrp="1"/>
           </p:cNvSpPr>
@@ -1739,18 +1514,13 @@
               <a:rPr lang="en-US"/>
               <a:t>Click to edit Master text styles</a:t>
             </a:r>
-          </a:p>
-        </p:txBody>
-      </p:sp>
-      <p:sp>
-        <p:nvSpPr>
-          <p:cNvPr id="6" name="Content Placeholder 5">
-            <a:extLst>
-              <a:ext uri="{FF2B5EF4-FFF2-40B4-BE49-F238E27FC236}">
-                <a16:creationId xmlns:a16="http://schemas.microsoft.com/office/drawing/2014/main" id="{97179037-27B3-9FB1-80E0-DACFCEEE6FB9}"/>
-              </a:ext>
-            </a:extLst>
-          </p:cNvPr>
+            <a:endParaRPr lang="en-US"/>
+          </a:p>
+        </p:txBody>
+      </p:sp>
+      <p:sp>
+        <p:nvSpPr>
+          <p:cNvPr id="6" name="Content Placeholder 5"/>
           <p:cNvSpPr>
             <a:spLocks noGrp="1"/>
           </p:cNvSpPr>
@@ -1773,6 +1543,7 @@
               <a:rPr lang="en-US"/>
               <a:t>Click to edit Master text styles</a:t>
             </a:r>
+            <a:endParaRPr lang="en-US"/>
           </a:p>
           <a:p>
             <a:pPr lvl="1"/>
@@ -1780,6 +1551,7 @@
               <a:rPr lang="en-US"/>
               <a:t>Second level</a:t>
             </a:r>
+            <a:endParaRPr lang="en-US"/>
           </a:p>
           <a:p>
             <a:pPr lvl="2"/>
@@ -1787,6 +1559,7 @@
               <a:rPr lang="en-US"/>
               <a:t>Third level</a:t>
             </a:r>
+            <a:endParaRPr lang="en-US"/>
           </a:p>
           <a:p>
             <a:pPr lvl="3"/>
@@ -1794,6 +1567,7 @@
               <a:rPr lang="en-US"/>
               <a:t>Fourth level</a:t>
             </a:r>
+            <a:endParaRPr lang="en-US"/>
           </a:p>
           <a:p>
             <a:pPr lvl="4"/>
@@ -1807,13 +1581,7 @@
       </p:sp>
       <p:sp>
         <p:nvSpPr>
-          <p:cNvPr id="7" name="Date Placeholder 6">
-            <a:extLst>
-              <a:ext uri="{FF2B5EF4-FFF2-40B4-BE49-F238E27FC236}">
-                <a16:creationId xmlns:a16="http://schemas.microsoft.com/office/drawing/2014/main" id="{4518A7C8-5630-A793-1B95-3452581A091D}"/>
-              </a:ext>
-            </a:extLst>
-          </p:cNvPr>
+          <p:cNvPr id="7" name="Date Placeholder 6"/>
           <p:cNvSpPr>
             <a:spLocks noGrp="1"/>
           </p:cNvSpPr>
@@ -1828,7 +1596,6 @@
           <a:p>
             <a:fld id="{2982D2D6-AF4C-42FC-93C8-C52618CB2301}" type="datetimeFigureOut">
               <a:rPr lang="en-IN" smtClean="0"/>
-              <a:t>22-03-2024</a:t>
             </a:fld>
             <a:endParaRPr lang="en-IN"/>
           </a:p>
@@ -1836,13 +1603,7 @@
       </p:sp>
       <p:sp>
         <p:nvSpPr>
-          <p:cNvPr id="8" name="Footer Placeholder 7">
-            <a:extLst>
-              <a:ext uri="{FF2B5EF4-FFF2-40B4-BE49-F238E27FC236}">
-                <a16:creationId xmlns:a16="http://schemas.microsoft.com/office/drawing/2014/main" id="{0191C2F3-BC7F-CFC3-6D27-AC4F9BE39B1D}"/>
-              </a:ext>
-            </a:extLst>
-          </p:cNvPr>
+          <p:cNvPr id="8" name="Footer Placeholder 7"/>
           <p:cNvSpPr>
             <a:spLocks noGrp="1"/>
           </p:cNvSpPr>
@@ -1861,13 +1622,7 @@
       </p:sp>
       <p:sp>
         <p:nvSpPr>
-          <p:cNvPr id="9" name="Slide Number Placeholder 8">
-            <a:extLst>
-              <a:ext uri="{FF2B5EF4-FFF2-40B4-BE49-F238E27FC236}">
-                <a16:creationId xmlns:a16="http://schemas.microsoft.com/office/drawing/2014/main" id="{1CAE7DEF-91CE-48FD-8B1B-726A02C774D7}"/>
-              </a:ext>
-            </a:extLst>
-          </p:cNvPr>
+          <p:cNvPr id="9" name="Slide Number Placeholder 8"/>
           <p:cNvSpPr>
             <a:spLocks noGrp="1"/>
           </p:cNvSpPr>
@@ -1882,18 +1637,12 @@
           <a:p>
             <a:fld id="{1078637C-87AE-4BE0-8B9E-BA6F79E44CE2}" type="slidenum">
               <a:rPr lang="en-IN" smtClean="0"/>
-              <a:t>‹#›</a:t>
             </a:fld>
             <a:endParaRPr lang="en-IN"/>
           </a:p>
         </p:txBody>
       </p:sp>
     </p:spTree>
-    <p:extLst>
-      <p:ext uri="{BB962C8B-B14F-4D97-AF65-F5344CB8AC3E}">
-        <p14:creationId xmlns:p14="http://schemas.microsoft.com/office/powerpoint/2010/main" val="25363336"/>
-      </p:ext>
-    </p:extLst>
   </p:cSld>
   <p:clrMapOvr>
     <a:masterClrMapping/>
@@ -1920,13 +1669,7 @@
       </p:grpSpPr>
       <p:sp>
         <p:nvSpPr>
-          <p:cNvPr id="2" name="Title 1">
-            <a:extLst>
-              <a:ext uri="{FF2B5EF4-FFF2-40B4-BE49-F238E27FC236}">
-                <a16:creationId xmlns:a16="http://schemas.microsoft.com/office/drawing/2014/main" id="{9D9FA49A-2E75-9ABF-A9EF-5C45BE5BE5BE}"/>
-              </a:ext>
-            </a:extLst>
-          </p:cNvPr>
+          <p:cNvPr id="2" name="Title 1"/>
           <p:cNvSpPr>
             <a:spLocks noGrp="1"/>
           </p:cNvSpPr>
@@ -1949,13 +1692,7 @@
       </p:sp>
       <p:sp>
         <p:nvSpPr>
-          <p:cNvPr id="3" name="Date Placeholder 2">
-            <a:extLst>
-              <a:ext uri="{FF2B5EF4-FFF2-40B4-BE49-F238E27FC236}">
-                <a16:creationId xmlns:a16="http://schemas.microsoft.com/office/drawing/2014/main" id="{A243CBC1-85CC-C612-1B6A-C2CF3B82483E}"/>
-              </a:ext>
-            </a:extLst>
-          </p:cNvPr>
+          <p:cNvPr id="3" name="Date Placeholder 2"/>
           <p:cNvSpPr>
             <a:spLocks noGrp="1"/>
           </p:cNvSpPr>
@@ -1970,7 +1707,6 @@
           <a:p>
             <a:fld id="{2982D2D6-AF4C-42FC-93C8-C52618CB2301}" type="datetimeFigureOut">
               <a:rPr lang="en-IN" smtClean="0"/>
-              <a:t>22-03-2024</a:t>
             </a:fld>
             <a:endParaRPr lang="en-IN"/>
           </a:p>
@@ -1978,13 +1714,7 @@
       </p:sp>
       <p:sp>
         <p:nvSpPr>
-          <p:cNvPr id="4" name="Footer Placeholder 3">
-            <a:extLst>
-              <a:ext uri="{FF2B5EF4-FFF2-40B4-BE49-F238E27FC236}">
-                <a16:creationId xmlns:a16="http://schemas.microsoft.com/office/drawing/2014/main" id="{F969BD02-C029-580E-812C-58FCDA0A4BB3}"/>
-              </a:ext>
-            </a:extLst>
-          </p:cNvPr>
+          <p:cNvPr id="4" name="Footer Placeholder 3"/>
           <p:cNvSpPr>
             <a:spLocks noGrp="1"/>
           </p:cNvSpPr>
@@ -2003,13 +1733,7 @@
       </p:sp>
       <p:sp>
         <p:nvSpPr>
-          <p:cNvPr id="5" name="Slide Number Placeholder 4">
-            <a:extLst>
-              <a:ext uri="{FF2B5EF4-FFF2-40B4-BE49-F238E27FC236}">
-                <a16:creationId xmlns:a16="http://schemas.microsoft.com/office/drawing/2014/main" id="{9E26DBF6-E3CB-EDFA-AD17-4A624D088DFF}"/>
-              </a:ext>
-            </a:extLst>
-          </p:cNvPr>
+          <p:cNvPr id="5" name="Slide Number Placeholder 4"/>
           <p:cNvSpPr>
             <a:spLocks noGrp="1"/>
           </p:cNvSpPr>
@@ -2024,18 +1748,12 @@
           <a:p>
             <a:fld id="{1078637C-87AE-4BE0-8B9E-BA6F79E44CE2}" type="slidenum">
               <a:rPr lang="en-IN" smtClean="0"/>
-              <a:t>‹#›</a:t>
             </a:fld>
             <a:endParaRPr lang="en-IN"/>
           </a:p>
         </p:txBody>
       </p:sp>
     </p:spTree>
-    <p:extLst>
-      <p:ext uri="{BB962C8B-B14F-4D97-AF65-F5344CB8AC3E}">
-        <p14:creationId xmlns:p14="http://schemas.microsoft.com/office/powerpoint/2010/main" val="2974103912"/>
-      </p:ext>
-    </p:extLst>
   </p:cSld>
   <p:clrMapOvr>
     <a:masterClrMapping/>
@@ -2062,13 +1780,7 @@
       </p:grpSpPr>
       <p:sp>
         <p:nvSpPr>
-          <p:cNvPr id="2" name="Date Placeholder 1">
-            <a:extLst>
-              <a:ext uri="{FF2B5EF4-FFF2-40B4-BE49-F238E27FC236}">
-                <a16:creationId xmlns:a16="http://schemas.microsoft.com/office/drawing/2014/main" id="{EBAA68C2-C689-E864-ED07-413E46753A15}"/>
-              </a:ext>
-            </a:extLst>
-          </p:cNvPr>
+          <p:cNvPr id="2" name="Date Placeholder 1"/>
           <p:cNvSpPr>
             <a:spLocks noGrp="1"/>
           </p:cNvSpPr>
@@ -2083,7 +1795,6 @@
           <a:p>
             <a:fld id="{2982D2D6-AF4C-42FC-93C8-C52618CB2301}" type="datetimeFigureOut">
               <a:rPr lang="en-IN" smtClean="0"/>
-              <a:t>22-03-2024</a:t>
             </a:fld>
             <a:endParaRPr lang="en-IN"/>
           </a:p>
@@ -2091,13 +1802,7 @@
       </p:sp>
       <p:sp>
         <p:nvSpPr>
-          <p:cNvPr id="3" name="Footer Placeholder 2">
-            <a:extLst>
-              <a:ext uri="{FF2B5EF4-FFF2-40B4-BE49-F238E27FC236}">
-                <a16:creationId xmlns:a16="http://schemas.microsoft.com/office/drawing/2014/main" id="{C51B3F33-4C68-7798-8F40-B18FD7563F88}"/>
-              </a:ext>
-            </a:extLst>
-          </p:cNvPr>
+          <p:cNvPr id="3" name="Footer Placeholder 2"/>
           <p:cNvSpPr>
             <a:spLocks noGrp="1"/>
           </p:cNvSpPr>
@@ -2116,13 +1821,7 @@
       </p:sp>
       <p:sp>
         <p:nvSpPr>
-          <p:cNvPr id="4" name="Slide Number Placeholder 3">
-            <a:extLst>
-              <a:ext uri="{FF2B5EF4-FFF2-40B4-BE49-F238E27FC236}">
-                <a16:creationId xmlns:a16="http://schemas.microsoft.com/office/drawing/2014/main" id="{154AF916-D580-9BA2-9267-1AD6F566E018}"/>
-              </a:ext>
-            </a:extLst>
-          </p:cNvPr>
+          <p:cNvPr id="4" name="Slide Number Placeholder 3"/>
           <p:cNvSpPr>
             <a:spLocks noGrp="1"/>
           </p:cNvSpPr>
@@ -2137,18 +1836,12 @@
           <a:p>
             <a:fld id="{1078637C-87AE-4BE0-8B9E-BA6F79E44CE2}" type="slidenum">
               <a:rPr lang="en-IN" smtClean="0"/>
-              <a:t>‹#›</a:t>
             </a:fld>
             <a:endParaRPr lang="en-IN"/>
           </a:p>
         </p:txBody>
       </p:sp>
     </p:spTree>
-    <p:extLst>
-      <p:ext uri="{BB962C8B-B14F-4D97-AF65-F5344CB8AC3E}">
-        <p14:creationId xmlns:p14="http://schemas.microsoft.com/office/powerpoint/2010/main" val="2073309441"/>
-      </p:ext>
-    </p:extLst>
   </p:cSld>
   <p:clrMapOvr>
     <a:masterClrMapping/>
@@ -2175,13 +1868,7 @@
       </p:grpSpPr>
       <p:sp>
         <p:nvSpPr>
-          <p:cNvPr id="2" name="Title 1">
-            <a:extLst>
-              <a:ext uri="{FF2B5EF4-FFF2-40B4-BE49-F238E27FC236}">
-                <a16:creationId xmlns:a16="http://schemas.microsoft.com/office/drawing/2014/main" id="{71E86BB2-B54B-A94C-F6E9-7239029D037A}"/>
-              </a:ext>
-            </a:extLst>
-          </p:cNvPr>
+          <p:cNvPr id="2" name="Title 1"/>
           <p:cNvSpPr>
             <a:spLocks noGrp="1"/>
           </p:cNvSpPr>
@@ -2213,13 +1900,7 @@
       </p:sp>
       <p:sp>
         <p:nvSpPr>
-          <p:cNvPr id="3" name="Content Placeholder 2">
-            <a:extLst>
-              <a:ext uri="{FF2B5EF4-FFF2-40B4-BE49-F238E27FC236}">
-                <a16:creationId xmlns:a16="http://schemas.microsoft.com/office/drawing/2014/main" id="{C0C17125-C4AC-BDCB-6C42-1F97CBD3ADAD}"/>
-              </a:ext>
-            </a:extLst>
-          </p:cNvPr>
+          <p:cNvPr id="3" name="Content Placeholder 2"/>
           <p:cNvSpPr>
             <a:spLocks noGrp="1"/>
           </p:cNvSpPr>
@@ -2270,6 +1951,7 @@
               <a:rPr lang="en-US"/>
               <a:t>Click to edit Master text styles</a:t>
             </a:r>
+            <a:endParaRPr lang="en-US"/>
           </a:p>
           <a:p>
             <a:pPr lvl="1"/>
@@ -2277,6 +1959,7 @@
               <a:rPr lang="en-US"/>
               <a:t>Second level</a:t>
             </a:r>
+            <a:endParaRPr lang="en-US"/>
           </a:p>
           <a:p>
             <a:pPr lvl="2"/>
@@ -2284,6 +1967,7 @@
               <a:rPr lang="en-US"/>
               <a:t>Third level</a:t>
             </a:r>
+            <a:endParaRPr lang="en-US"/>
           </a:p>
           <a:p>
             <a:pPr lvl="3"/>
@@ -2291,6 +1975,7 @@
               <a:rPr lang="en-US"/>
               <a:t>Fourth level</a:t>
             </a:r>
+            <a:endParaRPr lang="en-US"/>
           </a:p>
           <a:p>
             <a:pPr lvl="4"/>
@@ -2304,13 +1989,7 @@
       </p:sp>
       <p:sp>
         <p:nvSpPr>
-          <p:cNvPr id="4" name="Text Placeholder 3">
-            <a:extLst>
-              <a:ext uri="{FF2B5EF4-FFF2-40B4-BE49-F238E27FC236}">
-                <a16:creationId xmlns:a16="http://schemas.microsoft.com/office/drawing/2014/main" id="{9CB7C581-899C-020D-9AE3-C5C17183A6BC}"/>
-              </a:ext>
-            </a:extLst>
-          </p:cNvPr>
+          <p:cNvPr id="4" name="Text Placeholder 3"/>
           <p:cNvSpPr>
             <a:spLocks noGrp="1"/>
           </p:cNvSpPr>
@@ -2370,18 +2049,13 @@
               <a:rPr lang="en-US"/>
               <a:t>Click to edit Master text styles</a:t>
             </a:r>
-          </a:p>
-        </p:txBody>
-      </p:sp>
-      <p:sp>
-        <p:nvSpPr>
-          <p:cNvPr id="5" name="Date Placeholder 4">
-            <a:extLst>
-              <a:ext uri="{FF2B5EF4-FFF2-40B4-BE49-F238E27FC236}">
-                <a16:creationId xmlns:a16="http://schemas.microsoft.com/office/drawing/2014/main" id="{3031CF47-4AA8-16A9-8E9A-6BCF4BCAB796}"/>
-              </a:ext>
-            </a:extLst>
-          </p:cNvPr>
+            <a:endParaRPr lang="en-US"/>
+          </a:p>
+        </p:txBody>
+      </p:sp>
+      <p:sp>
+        <p:nvSpPr>
+          <p:cNvPr id="5" name="Date Placeholder 4"/>
           <p:cNvSpPr>
             <a:spLocks noGrp="1"/>
           </p:cNvSpPr>
@@ -2396,7 +2070,6 @@
           <a:p>
             <a:fld id="{2982D2D6-AF4C-42FC-93C8-C52618CB2301}" type="datetimeFigureOut">
               <a:rPr lang="en-IN" smtClean="0"/>
-              <a:t>22-03-2024</a:t>
             </a:fld>
             <a:endParaRPr lang="en-IN"/>
           </a:p>
@@ -2404,13 +2077,7 @@
       </p:sp>
       <p:sp>
         <p:nvSpPr>
-          <p:cNvPr id="6" name="Footer Placeholder 5">
-            <a:extLst>
-              <a:ext uri="{FF2B5EF4-FFF2-40B4-BE49-F238E27FC236}">
-                <a16:creationId xmlns:a16="http://schemas.microsoft.com/office/drawing/2014/main" id="{B550718F-A1C1-0498-17E3-82EE53535B06}"/>
-              </a:ext>
-            </a:extLst>
-          </p:cNvPr>
+          <p:cNvPr id="6" name="Footer Placeholder 5"/>
           <p:cNvSpPr>
             <a:spLocks noGrp="1"/>
           </p:cNvSpPr>
@@ -2429,13 +2096,7 @@
       </p:sp>
       <p:sp>
         <p:nvSpPr>
-          <p:cNvPr id="7" name="Slide Number Placeholder 6">
-            <a:extLst>
-              <a:ext uri="{FF2B5EF4-FFF2-40B4-BE49-F238E27FC236}">
-                <a16:creationId xmlns:a16="http://schemas.microsoft.com/office/drawing/2014/main" id="{9CAE0488-9057-4892-1653-0203DA2B2060}"/>
-              </a:ext>
-            </a:extLst>
-          </p:cNvPr>
+          <p:cNvPr id="7" name="Slide Number Placeholder 6"/>
           <p:cNvSpPr>
             <a:spLocks noGrp="1"/>
           </p:cNvSpPr>
@@ -2450,18 +2111,12 @@
           <a:p>
             <a:fld id="{1078637C-87AE-4BE0-8B9E-BA6F79E44CE2}" type="slidenum">
               <a:rPr lang="en-IN" smtClean="0"/>
-              <a:t>‹#›</a:t>
             </a:fld>
             <a:endParaRPr lang="en-IN"/>
           </a:p>
         </p:txBody>
       </p:sp>
     </p:spTree>
-    <p:extLst>
-      <p:ext uri="{BB962C8B-B14F-4D97-AF65-F5344CB8AC3E}">
-        <p14:creationId xmlns:p14="http://schemas.microsoft.com/office/powerpoint/2010/main" val="3346831930"/>
-      </p:ext>
-    </p:extLst>
   </p:cSld>
   <p:clrMapOvr>
     <a:masterClrMapping/>
@@ -2488,13 +2143,7 @@
       </p:grpSpPr>
       <p:sp>
         <p:nvSpPr>
-          <p:cNvPr id="2" name="Title 1">
-            <a:extLst>
-              <a:ext uri="{FF2B5EF4-FFF2-40B4-BE49-F238E27FC236}">
-                <a16:creationId xmlns:a16="http://schemas.microsoft.com/office/drawing/2014/main" id="{2C78CD09-98EB-B6F6-3E2D-7178D95E3C4E}"/>
-              </a:ext>
-            </a:extLst>
-          </p:cNvPr>
+          <p:cNvPr id="2" name="Title 1"/>
           <p:cNvSpPr>
             <a:spLocks noGrp="1"/>
           </p:cNvSpPr>
@@ -2526,13 +2175,7 @@
       </p:sp>
       <p:sp>
         <p:nvSpPr>
-          <p:cNvPr id="3" name="Picture Placeholder 2">
-            <a:extLst>
-              <a:ext uri="{FF2B5EF4-FFF2-40B4-BE49-F238E27FC236}">
-                <a16:creationId xmlns:a16="http://schemas.microsoft.com/office/drawing/2014/main" id="{5ACCE9BE-CF62-6B6F-0313-8A0DA234CAE0}"/>
-              </a:ext>
-            </a:extLst>
-          </p:cNvPr>
+          <p:cNvPr id="3" name="Picture Placeholder 2"/>
           <p:cNvSpPr>
             <a:spLocks noGrp="1"/>
           </p:cNvSpPr>
@@ -2593,13 +2236,7 @@
       </p:sp>
       <p:sp>
         <p:nvSpPr>
-          <p:cNvPr id="4" name="Text Placeholder 3">
-            <a:extLst>
-              <a:ext uri="{FF2B5EF4-FFF2-40B4-BE49-F238E27FC236}">
-                <a16:creationId xmlns:a16="http://schemas.microsoft.com/office/drawing/2014/main" id="{29418638-2EDA-C92F-469B-6B8521E9ACE8}"/>
-              </a:ext>
-            </a:extLst>
-          </p:cNvPr>
+          <p:cNvPr id="4" name="Text Placeholder 3"/>
           <p:cNvSpPr>
             <a:spLocks noGrp="1"/>
           </p:cNvSpPr>
@@ -2659,18 +2296,13 @@
               <a:rPr lang="en-US"/>
               <a:t>Click to edit Master text styles</a:t>
             </a:r>
-          </a:p>
-        </p:txBody>
-      </p:sp>
-      <p:sp>
-        <p:nvSpPr>
-          <p:cNvPr id="5" name="Date Placeholder 4">
-            <a:extLst>
-              <a:ext uri="{FF2B5EF4-FFF2-40B4-BE49-F238E27FC236}">
-                <a16:creationId xmlns:a16="http://schemas.microsoft.com/office/drawing/2014/main" id="{A4D762B9-ED3E-FFFF-38E3-76D6851A7153}"/>
-              </a:ext>
-            </a:extLst>
-          </p:cNvPr>
+            <a:endParaRPr lang="en-US"/>
+          </a:p>
+        </p:txBody>
+      </p:sp>
+      <p:sp>
+        <p:nvSpPr>
+          <p:cNvPr id="5" name="Date Placeholder 4"/>
           <p:cNvSpPr>
             <a:spLocks noGrp="1"/>
           </p:cNvSpPr>
@@ -2685,7 +2317,6 @@
           <a:p>
             <a:fld id="{2982D2D6-AF4C-42FC-93C8-C52618CB2301}" type="datetimeFigureOut">
               <a:rPr lang="en-IN" smtClean="0"/>
-              <a:t>22-03-2024</a:t>
             </a:fld>
             <a:endParaRPr lang="en-IN"/>
           </a:p>
@@ -2693,13 +2324,7 @@
       </p:sp>
       <p:sp>
         <p:nvSpPr>
-          <p:cNvPr id="6" name="Footer Placeholder 5">
-            <a:extLst>
-              <a:ext uri="{FF2B5EF4-FFF2-40B4-BE49-F238E27FC236}">
-                <a16:creationId xmlns:a16="http://schemas.microsoft.com/office/drawing/2014/main" id="{8D030F41-383B-35CD-CD7A-B68E9176935F}"/>
-              </a:ext>
-            </a:extLst>
-          </p:cNvPr>
+          <p:cNvPr id="6" name="Footer Placeholder 5"/>
           <p:cNvSpPr>
             <a:spLocks noGrp="1"/>
           </p:cNvSpPr>
@@ -2718,13 +2343,7 @@
       </p:sp>
       <p:sp>
         <p:nvSpPr>
-          <p:cNvPr id="7" name="Slide Number Placeholder 6">
-            <a:extLst>
-              <a:ext uri="{FF2B5EF4-FFF2-40B4-BE49-F238E27FC236}">
-                <a16:creationId xmlns:a16="http://schemas.microsoft.com/office/drawing/2014/main" id="{906646F6-F67E-06C0-A710-1C937C1DB9BD}"/>
-              </a:ext>
-            </a:extLst>
-          </p:cNvPr>
+          <p:cNvPr id="7" name="Slide Number Placeholder 6"/>
           <p:cNvSpPr>
             <a:spLocks noGrp="1"/>
           </p:cNvSpPr>
@@ -2739,18 +2358,12 @@
           <a:p>
             <a:fld id="{1078637C-87AE-4BE0-8B9E-BA6F79E44CE2}" type="slidenum">
               <a:rPr lang="en-IN" smtClean="0"/>
-              <a:t>‹#›</a:t>
             </a:fld>
             <a:endParaRPr lang="en-IN"/>
           </a:p>
         </p:txBody>
       </p:sp>
     </p:spTree>
-    <p:extLst>
-      <p:ext uri="{BB962C8B-B14F-4D97-AF65-F5344CB8AC3E}">
-        <p14:creationId xmlns:p14="http://schemas.microsoft.com/office/powerpoint/2010/main" val="3448781150"/>
-      </p:ext>
-    </p:extLst>
   </p:cSld>
   <p:clrMapOvr>
     <a:masterClrMapping/>
@@ -2782,13 +2395,7 @@
       </p:grpSpPr>
       <p:sp>
         <p:nvSpPr>
-          <p:cNvPr id="2" name="Title Placeholder 1">
-            <a:extLst>
-              <a:ext uri="{FF2B5EF4-FFF2-40B4-BE49-F238E27FC236}">
-                <a16:creationId xmlns:a16="http://schemas.microsoft.com/office/drawing/2014/main" id="{9779324D-81A8-F63D-20F0-29F8C76E5939}"/>
-              </a:ext>
-            </a:extLst>
-          </p:cNvPr>
+          <p:cNvPr id="2" name="Title Placeholder 1"/>
           <p:cNvSpPr>
             <a:spLocks noGrp="1"/>
           </p:cNvSpPr>
@@ -2821,13 +2428,7 @@
       </p:sp>
       <p:sp>
         <p:nvSpPr>
-          <p:cNvPr id="3" name="Text Placeholder 2">
-            <a:extLst>
-              <a:ext uri="{FF2B5EF4-FFF2-40B4-BE49-F238E27FC236}">
-                <a16:creationId xmlns:a16="http://schemas.microsoft.com/office/drawing/2014/main" id="{655F315D-A903-45F1-D2B3-F14A186A0D4A}"/>
-              </a:ext>
-            </a:extLst>
-          </p:cNvPr>
+          <p:cNvPr id="3" name="Text Placeholder 2"/>
           <p:cNvSpPr>
             <a:spLocks noGrp="1"/>
           </p:cNvSpPr>
@@ -2855,6 +2456,7 @@
               <a:rPr lang="en-US"/>
               <a:t>Click to edit Master text styles</a:t>
             </a:r>
+            <a:endParaRPr lang="en-US"/>
           </a:p>
           <a:p>
             <a:pPr lvl="1"/>
@@ -2862,6 +2464,7 @@
               <a:rPr lang="en-US"/>
               <a:t>Second level</a:t>
             </a:r>
+            <a:endParaRPr lang="en-US"/>
           </a:p>
           <a:p>
             <a:pPr lvl="2"/>
@@ -2869,6 +2472,7 @@
               <a:rPr lang="en-US"/>
               <a:t>Third level</a:t>
             </a:r>
+            <a:endParaRPr lang="en-US"/>
           </a:p>
           <a:p>
             <a:pPr lvl="3"/>
@@ -2876,6 +2480,7 @@
               <a:rPr lang="en-US"/>
               <a:t>Fourth level</a:t>
             </a:r>
+            <a:endParaRPr lang="en-US"/>
           </a:p>
           <a:p>
             <a:pPr lvl="4"/>
@@ -2889,13 +2494,7 @@
       </p:sp>
       <p:sp>
         <p:nvSpPr>
-          <p:cNvPr id="4" name="Date Placeholder 3">
-            <a:extLst>
-              <a:ext uri="{FF2B5EF4-FFF2-40B4-BE49-F238E27FC236}">
-                <a16:creationId xmlns:a16="http://schemas.microsoft.com/office/drawing/2014/main" id="{BAA2BD83-784D-29F7-B77D-5B341227795A}"/>
-              </a:ext>
-            </a:extLst>
-          </p:cNvPr>
+          <p:cNvPr id="4" name="Date Placeholder 3"/>
           <p:cNvSpPr>
             <a:spLocks noGrp="1"/>
           </p:cNvSpPr>
@@ -2928,7 +2527,6 @@
           <a:p>
             <a:fld id="{2982D2D6-AF4C-42FC-93C8-C52618CB2301}" type="datetimeFigureOut">
               <a:rPr lang="en-IN" smtClean="0"/>
-              <a:t>22-03-2024</a:t>
             </a:fld>
             <a:endParaRPr lang="en-IN"/>
           </a:p>
@@ -2936,13 +2534,7 @@
       </p:sp>
       <p:sp>
         <p:nvSpPr>
-          <p:cNvPr id="5" name="Footer Placeholder 4">
-            <a:extLst>
-              <a:ext uri="{FF2B5EF4-FFF2-40B4-BE49-F238E27FC236}">
-                <a16:creationId xmlns:a16="http://schemas.microsoft.com/office/drawing/2014/main" id="{A5D16844-D130-18C9-1F36-DC9C01A4FB89}"/>
-              </a:ext>
-            </a:extLst>
-          </p:cNvPr>
+          <p:cNvPr id="5" name="Footer Placeholder 4"/>
           <p:cNvSpPr>
             <a:spLocks noGrp="1"/>
           </p:cNvSpPr>
@@ -2979,13 +2571,7 @@
       </p:sp>
       <p:sp>
         <p:nvSpPr>
-          <p:cNvPr id="6" name="Slide Number Placeholder 5">
-            <a:extLst>
-              <a:ext uri="{FF2B5EF4-FFF2-40B4-BE49-F238E27FC236}">
-                <a16:creationId xmlns:a16="http://schemas.microsoft.com/office/drawing/2014/main" id="{A167275D-FE63-BA72-8D6F-D068E9ED105F}"/>
-              </a:ext>
-            </a:extLst>
-          </p:cNvPr>
+          <p:cNvPr id="6" name="Slide Number Placeholder 5"/>
           <p:cNvSpPr>
             <a:spLocks noGrp="1"/>
           </p:cNvSpPr>
@@ -3018,18 +2604,12 @@
           <a:p>
             <a:fld id="{1078637C-87AE-4BE0-8B9E-BA6F79E44CE2}" type="slidenum">
               <a:rPr lang="en-IN" smtClean="0"/>
-              <a:t>‹#›</a:t>
             </a:fld>
             <a:endParaRPr lang="en-IN"/>
           </a:p>
         </p:txBody>
       </p:sp>
     </p:spTree>
-    <p:extLst>
-      <p:ext uri="{BB962C8B-B14F-4D97-AF65-F5344CB8AC3E}">
-        <p14:creationId xmlns:p14="http://schemas.microsoft.com/office/powerpoint/2010/main" val="3911426543"/>
-      </p:ext>
-    </p:extLst>
   </p:cSld>
   <p:clrMap bg1="lt1" tx1="dk1" bg2="lt2" tx2="dk2" accent1="accent1" accent2="accent2" accent3="accent3" accent4="accent4" accent5="accent5" accent6="accent6" hlink="hlink" folHlink="folHlink"/>
   <p:sldLayoutIdLst>
@@ -3347,13 +2927,7 @@
       </p:grpSpPr>
       <p:sp>
         <p:nvSpPr>
-          <p:cNvPr id="2" name="Title 1">
-            <a:extLst>
-              <a:ext uri="{FF2B5EF4-FFF2-40B4-BE49-F238E27FC236}">
-                <a16:creationId xmlns:a16="http://schemas.microsoft.com/office/drawing/2014/main" id="{541A2EF8-0444-B1EA-B99D-C59DE4D3AAD9}"/>
-              </a:ext>
-            </a:extLst>
-          </p:cNvPr>
+          <p:cNvPr id="2" name="Title 1"/>
           <p:cNvSpPr>
             <a:spLocks noGrp="1"/>
           </p:cNvSpPr>
@@ -3372,15 +2946,11 @@
               <a:rPr lang="en-IN" sz="6000" b="1" dirty="0"/>
               <a:t>Derivation for cluster size</a:t>
             </a:r>
+            <a:endParaRPr lang="en-IN" sz="6000" b="1" dirty="0"/>
           </a:p>
         </p:txBody>
       </p:sp>
     </p:spTree>
-    <p:extLst>
-      <p:ext uri="{BB962C8B-B14F-4D97-AF65-F5344CB8AC3E}">
-        <p14:creationId xmlns:p14="http://schemas.microsoft.com/office/powerpoint/2010/main" val="2751643431"/>
-      </p:ext>
-    </p:extLst>
   </p:cSld>
   <p:clrMapOvr>
     <a:masterClrMapping/>
@@ -3407,13 +2977,7 @@
       </p:grpSpPr>
       <p:sp>
         <p:nvSpPr>
-          <p:cNvPr id="2" name="Title 1">
-            <a:extLst>
-              <a:ext uri="{FF2B5EF4-FFF2-40B4-BE49-F238E27FC236}">
-                <a16:creationId xmlns:a16="http://schemas.microsoft.com/office/drawing/2014/main" id="{9CF93697-546B-540A-8F5B-677301746CAD}"/>
-              </a:ext>
-            </a:extLst>
-          </p:cNvPr>
+          <p:cNvPr id="2" name="Title 1"/>
           <p:cNvSpPr>
             <a:spLocks noGrp="1"/>
           </p:cNvSpPr>
@@ -3432,13 +2996,7 @@
       </p:sp>
       <p:sp>
         <p:nvSpPr>
-          <p:cNvPr id="3" name="Subtitle 2">
-            <a:extLst>
-              <a:ext uri="{FF2B5EF4-FFF2-40B4-BE49-F238E27FC236}">
-                <a16:creationId xmlns:a16="http://schemas.microsoft.com/office/drawing/2014/main" id="{8C04B629-0179-A073-58F6-0FB110A7306D}"/>
-              </a:ext>
-            </a:extLst>
-          </p:cNvPr>
+          <p:cNvPr id="3" name="Subtitle 2"/>
           <p:cNvSpPr>
             <a:spLocks noGrp="1"/>
           </p:cNvSpPr>
@@ -3457,20 +3015,14 @@
       </p:sp>
       <p:pic>
         <p:nvPicPr>
-          <p:cNvPr id="5" name="Picture 4">
-            <a:extLst>
-              <a:ext uri="{FF2B5EF4-FFF2-40B4-BE49-F238E27FC236}">
-                <a16:creationId xmlns:a16="http://schemas.microsoft.com/office/drawing/2014/main" id="{97160653-1619-F642-760F-6EB4CED8F54A}"/>
-              </a:ext>
-            </a:extLst>
-          </p:cNvPr>
+          <p:cNvPr id="5" name="Picture 4"/>
           <p:cNvPicPr>
             <a:picLocks noChangeAspect="1"/>
           </p:cNvPicPr>
           <p:nvPr/>
         </p:nvPicPr>
         <p:blipFill>
-          <a:blip r:embed="rId2">
+          <a:blip r:embed="rId1">
             <a:extLst>
               <a:ext uri="{28A0092B-C50C-407E-A947-70E740481C1C}">
                 <a14:useLocalDpi xmlns:a14="http://schemas.microsoft.com/office/drawing/2010/main" val="0"/>
@@ -3492,11 +3044,6 @@
         </p:spPr>
       </p:pic>
     </p:spTree>
-    <p:extLst>
-      <p:ext uri="{BB962C8B-B14F-4D97-AF65-F5344CB8AC3E}">
-        <p14:creationId xmlns:p14="http://schemas.microsoft.com/office/powerpoint/2010/main" val="1375628190"/>
-      </p:ext>
-    </p:extLst>
   </p:cSld>
   <p:clrMapOvr>
     <a:masterClrMapping/>
@@ -3523,13 +3070,7 @@
       </p:grpSpPr>
       <p:sp>
         <p:nvSpPr>
-          <p:cNvPr id="2" name="Title 1">
-            <a:extLst>
-              <a:ext uri="{FF2B5EF4-FFF2-40B4-BE49-F238E27FC236}">
-                <a16:creationId xmlns:a16="http://schemas.microsoft.com/office/drawing/2014/main" id="{541A2EF8-0444-B1EA-B99D-C59DE4D3AAD9}"/>
-              </a:ext>
-            </a:extLst>
-          </p:cNvPr>
+          <p:cNvPr id="2" name="Title 1"/>
           <p:cNvSpPr>
             <a:spLocks noGrp="1"/>
           </p:cNvSpPr>
@@ -3548,15 +3089,11 @@
               <a:rPr lang="en-IN" sz="6000" b="1" dirty="0"/>
               <a:t>Derivation for co-channel reuse ratio</a:t>
             </a:r>
+            <a:endParaRPr lang="en-IN" sz="6000" b="1" dirty="0"/>
           </a:p>
         </p:txBody>
       </p:sp>
     </p:spTree>
-    <p:extLst>
-      <p:ext uri="{BB962C8B-B14F-4D97-AF65-F5344CB8AC3E}">
-        <p14:creationId xmlns:p14="http://schemas.microsoft.com/office/powerpoint/2010/main" val="2361346866"/>
-      </p:ext>
-    </p:extLst>
   </p:cSld>
   <p:clrMapOvr>
     <a:masterClrMapping/>
@@ -3573,6 +3110,42 @@
         <p:cNvGrpSpPr/>
         <p:nvPr/>
       </p:nvGrpSpPr>
+      <p:grpSpPr/>
+      <p:sp>
+        <p:nvSpPr>
+          <p:cNvPr id="2" name="Title 1"/>
+          <p:cNvSpPr>
+            <a:spLocks noGrp="1"/>
+          </p:cNvSpPr>
+          <p:nvPr>
+            <p:ph type="title"/>
+          </p:nvPr>
+        </p:nvSpPr>
+        <p:spPr/>
+        <p:txBody>
+          <a:bodyPr/>
+          <a:p>
+            <a:endParaRPr lang="en-US"/>
+          </a:p>
+        </p:txBody>
+      </p:sp>
+    </p:spTree>
+  </p:cSld>
+  <p:clrMapOvr>
+    <a:masterClrMapping/>
+  </p:clrMapOvr>
+</p:sld>
+</file>
+
+<file path=ppt/slides/slide5.xml><?xml version="1.0" encoding="utf-8"?>
+<p:sld xmlns:a="http://schemas.openxmlformats.org/drawingml/2006/main" xmlns:r="http://schemas.openxmlformats.org/officeDocument/2006/relationships" xmlns:p="http://schemas.openxmlformats.org/presentationml/2006/main">
+  <p:cSld>
+    <p:spTree>
+      <p:nvGrpSpPr>
+        <p:cNvPr id="1" name=""/>
+        <p:cNvGrpSpPr/>
+        <p:nvPr/>
+      </p:nvGrpSpPr>
       <p:grpSpPr>
         <a:xfrm>
           <a:off x="0" y="0"/>
@@ -3583,13 +3156,7 @@
       </p:grpSpPr>
       <p:sp>
         <p:nvSpPr>
-          <p:cNvPr id="2" name="Title 1">
-            <a:extLst>
-              <a:ext uri="{FF2B5EF4-FFF2-40B4-BE49-F238E27FC236}">
-                <a16:creationId xmlns:a16="http://schemas.microsoft.com/office/drawing/2014/main" id="{0D40EE1C-95C5-025A-5C40-D617490408D7}"/>
-              </a:ext>
-            </a:extLst>
-          </p:cNvPr>
+          <p:cNvPr id="2" name="Title 1"/>
           <p:cNvSpPr>
             <a:spLocks noGrp="1"/>
           </p:cNvSpPr>
@@ -3608,13 +3175,7 @@
       </p:sp>
       <p:sp>
         <p:nvSpPr>
-          <p:cNvPr id="3" name="Content Placeholder 2">
-            <a:extLst>
-              <a:ext uri="{FF2B5EF4-FFF2-40B4-BE49-F238E27FC236}">
-                <a16:creationId xmlns:a16="http://schemas.microsoft.com/office/drawing/2014/main" id="{F47B90D4-BCBE-36FD-0458-D20BAC49E451}"/>
-              </a:ext>
-            </a:extLst>
-          </p:cNvPr>
+          <p:cNvPr id="3" name="Content Placeholder 2"/>
           <p:cNvSpPr>
             <a:spLocks noGrp="1"/>
           </p:cNvSpPr>
@@ -3633,20 +3194,14 @@
       </p:sp>
       <p:pic>
         <p:nvPicPr>
-          <p:cNvPr id="5" name="Picture 4">
-            <a:extLst>
-              <a:ext uri="{FF2B5EF4-FFF2-40B4-BE49-F238E27FC236}">
-                <a16:creationId xmlns:a16="http://schemas.microsoft.com/office/drawing/2014/main" id="{A3B9C2E6-26CD-7C2A-BAA1-8A8022742C28}"/>
-              </a:ext>
-            </a:extLst>
-          </p:cNvPr>
+          <p:cNvPr id="5" name="Picture 4"/>
           <p:cNvPicPr>
             <a:picLocks noChangeAspect="1"/>
           </p:cNvPicPr>
           <p:nvPr/>
         </p:nvPicPr>
         <p:blipFill>
-          <a:blip r:embed="rId2"/>
+          <a:blip r:embed="rId1"/>
           <a:stretch>
             <a:fillRect/>
           </a:stretch>
@@ -3662,11 +3217,6 @@
         </p:spPr>
       </p:pic>
     </p:spTree>
-    <p:extLst>
-      <p:ext uri="{BB962C8B-B14F-4D97-AF65-F5344CB8AC3E}">
-        <p14:creationId xmlns:p14="http://schemas.microsoft.com/office/powerpoint/2010/main" val="3830656724"/>
-      </p:ext>
-    </p:extLst>
   </p:cSld>
   <p:clrMapOvr>
     <a:masterClrMapping/>
@@ -3717,7 +3267,7 @@
     </a:clrScheme>
     <a:fontScheme name="Office">
       <a:majorFont>
-        <a:latin typeface="Calibri Light" panose="020F0302020204030204"/>
+        <a:latin typeface="Calibri Light"/>
         <a:ea typeface=""/>
         <a:cs typeface=""/>
         <a:font script="Jpan" typeface="游ゴシック Light"/>
@@ -3750,26 +3300,9 @@
         <a:font script="Viet" typeface="Times New Roman"/>
         <a:font script="Uigh" typeface="Microsoft Uighur"/>
         <a:font script="Geor" typeface="Sylfaen"/>
-        <a:font script="Armn" typeface="Arial"/>
-        <a:font script="Bugi" typeface="Leelawadee UI"/>
-        <a:font script="Bopo" typeface="Microsoft JhengHei"/>
-        <a:font script="Java" typeface="Javanese Text"/>
-        <a:font script="Lisu" typeface="Segoe UI"/>
-        <a:font script="Mymr" typeface="Myanmar Text"/>
-        <a:font script="Nkoo" typeface="Ebrima"/>
-        <a:font script="Olck" typeface="Nirmala UI"/>
-        <a:font script="Osma" typeface="Ebrima"/>
-        <a:font script="Phag" typeface="Phagspa"/>
-        <a:font script="Syrn" typeface="Estrangelo Edessa"/>
-        <a:font script="Syrj" typeface="Estrangelo Edessa"/>
-        <a:font script="Syre" typeface="Estrangelo Edessa"/>
-        <a:font script="Sora" typeface="Nirmala UI"/>
-        <a:font script="Tale" typeface="Microsoft Tai Le"/>
-        <a:font script="Talu" typeface="Microsoft New Tai Lue"/>
-        <a:font script="Tfng" typeface="Ebrima"/>
       </a:majorFont>
       <a:minorFont>
-        <a:latin typeface="Calibri" panose="020F0502020204030204"/>
+        <a:latin typeface="Calibri"/>
         <a:ea typeface=""/>
         <a:cs typeface=""/>
         <a:font script="Jpan" typeface="游ゴシック"/>
@@ -3802,23 +3335,6 @@
         <a:font script="Viet" typeface="Arial"/>
         <a:font script="Uigh" typeface="Microsoft Uighur"/>
         <a:font script="Geor" typeface="Sylfaen"/>
-        <a:font script="Armn" typeface="Arial"/>
-        <a:font script="Bugi" typeface="Leelawadee UI"/>
-        <a:font script="Bopo" typeface="Microsoft JhengHei"/>
-        <a:font script="Java" typeface="Javanese Text"/>
-        <a:font script="Lisu" typeface="Segoe UI"/>
-        <a:font script="Mymr" typeface="Myanmar Text"/>
-        <a:font script="Nkoo" typeface="Ebrima"/>
-        <a:font script="Olck" typeface="Nirmala UI"/>
-        <a:font script="Osma" typeface="Ebrima"/>
-        <a:font script="Phag" typeface="Phagspa"/>
-        <a:font script="Syrn" typeface="Estrangelo Edessa"/>
-        <a:font script="Syrj" typeface="Estrangelo Edessa"/>
-        <a:font script="Syre" typeface="Estrangelo Edessa"/>
-        <a:font script="Sora" typeface="Nirmala UI"/>
-        <a:font script="Tale" typeface="Microsoft Tai Le"/>
-        <a:font script="Talu" typeface="Microsoft New Tai Lue"/>
-        <a:font script="Tfng" typeface="Ebrima"/>
       </a:minorFont>
     </a:fontScheme>
     <a:fmtScheme name="Office">
@@ -3959,8 +3475,6 @@
       </a:bgFillStyleLst>
     </a:fmtScheme>
   </a:themeElements>
-  <a:objectDefaults/>
-  <a:extraClrSchemeLst/>
   <a:extLst>
     <a:ext uri="{05A4C25C-085E-4340-85A3-A5531E510DB2}">
       <thm15:themeFamily xmlns:thm15="http://schemas.microsoft.com/office/thememl/2012/main" name="Office Theme" id="{62F939B6-93AF-4DB8-9C6B-D6C7DFDC589F}" vid="{4A3C46E8-61CC-4603-A589-7422A47A8E4A}"/>
